--- a/Presentation/Decorator.pptx
+++ b/Presentation/Decorator.pptx
@@ -14,21 +14,22 @@
     <p:sldId id="258" r:id="rId9"/>
     <p:sldId id="259" r:id="rId10"/>
     <p:sldId id="260" r:id="rId11"/>
+    <p:sldId id="261" r:id="rId12"/>
   </p:sldIdLst>
   <p:sldSz cy="5143500" cx="9144000"/>
   <p:notesSz cx="6858000" cy="9144000"/>
   <p:embeddedFontLst>
     <p:embeddedFont>
       <p:font typeface="Asap Condensed"/>
-      <p:regular r:id="rId12"/>
-      <p:bold r:id="rId13"/>
-      <p:italic r:id="rId14"/>
-      <p:boldItalic r:id="rId15"/>
+      <p:regular r:id="rId13"/>
+      <p:bold r:id="rId14"/>
+      <p:italic r:id="rId15"/>
+      <p:boldItalic r:id="rId16"/>
     </p:embeddedFont>
     <p:embeddedFont>
       <p:font typeface="Comfortaa"/>
-      <p:regular r:id="rId16"/>
-      <p:bold r:id="rId17"/>
+      <p:regular r:id="rId17"/>
+      <p:bold r:id="rId18"/>
     </p:embeddedFont>
   </p:embeddedFontLst>
   <p:defaultTextStyle>
@@ -1075,7 +1076,7 @@
       </p:grpSpPr>
       <p:sp>
         <p:nvSpPr>
-          <p:cNvPr id="122" name="Google Shape;122;g19384484978_0_18:notes"/>
+          <p:cNvPr id="122" name="Google Shape;122;g19e1fdc0d53_0_0:notes"/>
           <p:cNvSpPr/>
           <p:nvPr>
             <p:ph idx="2" type="sldImg"/>
@@ -1120,7 +1121,7 @@
       </p:sp>
       <p:sp>
         <p:nvSpPr>
-          <p:cNvPr id="123" name="Google Shape;123;g19384484978_0_18:notes"/>
+          <p:cNvPr id="123" name="Google Shape;123;g19e1fdc0d53_0_0:notes"/>
           <p:cNvSpPr txBox="1"/>
           <p:nvPr>
             <p:ph idx="1" type="body"/>
@@ -1178,7 +1179,7 @@
   <p:cSld>
     <p:spTree>
       <p:nvGrpSpPr>
-        <p:cNvPr id="128" name="Shape 128"/>
+        <p:cNvPr id="133" name="Shape 133"/>
         <p:cNvGrpSpPr/>
         <p:nvPr/>
       </p:nvGrpSpPr>
@@ -1192,7 +1193,7 @@
       </p:grpSpPr>
       <p:sp>
         <p:nvSpPr>
-          <p:cNvPr id="129" name="Google Shape;129;g19384484978_0_48:notes"/>
+          <p:cNvPr id="134" name="Google Shape;134;g19384484978_0_18:notes"/>
           <p:cNvSpPr/>
           <p:nvPr>
             <p:ph idx="2" type="sldImg"/>
@@ -1237,7 +1238,124 @@
       </p:sp>
       <p:sp>
         <p:nvSpPr>
-          <p:cNvPr id="130" name="Google Shape;130;g19384484978_0_48:notes"/>
+          <p:cNvPr id="135" name="Google Shape;135;g19384484978_0_18:notes"/>
+          <p:cNvSpPr txBox="1"/>
+          <p:nvPr>
+            <p:ph idx="1" type="body"/>
+          </p:nvPr>
+        </p:nvSpPr>
+        <p:spPr>
+          <a:xfrm>
+            <a:off x="685800" y="4343400"/>
+            <a:ext cx="5486400" cy="4114800"/>
+          </a:xfrm>
+          <a:prstGeom prst="rect">
+            <a:avLst/>
+          </a:prstGeom>
+          <a:noFill/>
+          <a:ln>
+            <a:noFill/>
+          </a:ln>
+        </p:spPr>
+        <p:txBody>
+          <a:bodyPr anchorCtr="0" anchor="t" bIns="91425" lIns="91425" spcFirstLastPara="1" rIns="91425" wrap="square" tIns="91425">
+            <a:noAutofit/>
+          </a:bodyPr>
+          <a:lstStyle/>
+          <a:p>
+            <a:pPr indent="0" lvl="0" marL="0" rtl="0" algn="l">
+              <a:lnSpc>
+                <a:spcPct val="100000"/>
+              </a:lnSpc>
+              <a:spcBef>
+                <a:spcPts val="0"/>
+              </a:spcBef>
+              <a:spcAft>
+                <a:spcPts val="0"/>
+              </a:spcAft>
+              <a:buSzPts val="1100"/>
+              <a:buNone/>
+            </a:pPr>
+            <a:r>
+              <a:t/>
+            </a:r>
+            <a:endParaRPr/>
+          </a:p>
+        </p:txBody>
+      </p:sp>
+    </p:spTree>
+  </p:cSld>
+  <p:clrMapOvr>
+    <a:masterClrMapping/>
+  </p:clrMapOvr>
+</p:notes>
+</file>
+
+<file path=ppt/notesSlides/notesSlide6.xml><?xml version="1.0" encoding="utf-8"?>
+<p:notes xmlns:a="http://schemas.openxmlformats.org/drawingml/2006/main" xmlns:r="http://schemas.openxmlformats.org/officeDocument/2006/relationships" xmlns:mc="http://schemas.openxmlformats.org/markup-compatibility/2006" xmlns:mv="urn:schemas-microsoft-com:mac:vml" xmlns:p="http://schemas.openxmlformats.org/presentationml/2006/main" xmlns:c="http://schemas.openxmlformats.org/drawingml/2006/chart" xmlns:dgm="http://schemas.openxmlformats.org/drawingml/2006/diagram" xmlns:o="urn:schemas-microsoft-com:office:office" xmlns:v="urn:schemas-microsoft-com:vml" xmlns:pvml="urn:schemas-microsoft-com:office:powerpoint" xmlns:com="http://schemas.openxmlformats.org/drawingml/2006/compatibility" xmlns:p14="http://schemas.microsoft.com/office/powerpoint/2010/main" xmlns:p15="http://schemas.microsoft.com/office/powerpoint/2012/main" xmlns:ahyp="http://schemas.microsoft.com/office/drawing/2018/hyperlinkcolor" showMasterPhAnim="0" showMasterSp="0">
+  <p:cSld>
+    <p:spTree>
+      <p:nvGrpSpPr>
+        <p:cNvPr id="140" name="Shape 140"/>
+        <p:cNvGrpSpPr/>
+        <p:nvPr/>
+      </p:nvGrpSpPr>
+      <p:grpSpPr>
+        <a:xfrm>
+          <a:off x="0" y="0"/>
+          <a:ext cx="0" cy="0"/>
+          <a:chOff x="0" y="0"/>
+          <a:chExt cx="0" cy="0"/>
+        </a:xfrm>
+      </p:grpSpPr>
+      <p:sp>
+        <p:nvSpPr>
+          <p:cNvPr id="141" name="Google Shape;141;g19384484978_0_48:notes"/>
+          <p:cNvSpPr/>
+          <p:nvPr>
+            <p:ph idx="2" type="sldImg"/>
+          </p:nvPr>
+        </p:nvSpPr>
+        <p:spPr>
+          <a:xfrm>
+            <a:off x="381300" y="685800"/>
+            <a:ext cx="6096000" cy="3429000"/>
+          </a:xfrm>
+          <a:custGeom>
+            <a:rect b="b" l="l" r="r" t="t"/>
+            <a:pathLst>
+              <a:path extrusionOk="0" h="120000" w="120000">
+                <a:moveTo>
+                  <a:pt x="0" y="0"/>
+                </a:moveTo>
+                <a:lnTo>
+                  <a:pt x="120000" y="0"/>
+                </a:lnTo>
+                <a:lnTo>
+                  <a:pt x="120000" y="120000"/>
+                </a:lnTo>
+                <a:lnTo>
+                  <a:pt x="0" y="120000"/>
+                </a:lnTo>
+                <a:close/>
+              </a:path>
+            </a:pathLst>
+          </a:custGeom>
+          <a:noFill/>
+          <a:ln cap="flat" cmpd="sng" w="9525">
+            <a:solidFill>
+              <a:srgbClr val="000000"/>
+            </a:solidFill>
+            <a:prstDash val="solid"/>
+            <a:round/>
+            <a:headEnd len="sm" w="sm" type="none"/>
+            <a:tailEnd len="sm" w="sm" type="none"/>
+          </a:ln>
+        </p:spPr>
+      </p:sp>
+      <p:sp>
+        <p:nvSpPr>
+          <p:cNvPr id="142" name="Google Shape;142;g19384484978_0_48:notes"/>
           <p:cNvSpPr txBox="1"/>
           <p:nvPr>
             <p:ph idx="1" type="body"/>
@@ -15006,7 +15124,7 @@
         </p:nvSpPr>
         <p:spPr>
           <a:xfrm>
-            <a:off x="0" y="261375"/>
+            <a:off x="0" y="3565275"/>
             <a:ext cx="9144000" cy="1218300"/>
           </a:xfrm>
           <a:prstGeom prst="rect">
@@ -15030,7 +15148,7 @@
           </a:bodyPr>
           <a:lstStyle/>
           <a:p>
-            <a:pPr indent="0" lvl="0" marL="0" rtl="0" algn="l">
+            <a:pPr indent="0" lvl="0" marL="0" rtl="0" algn="ctr">
               <a:lnSpc>
                 <a:spcPct val="100000"/>
               </a:lnSpc>
@@ -15049,7 +15167,7 @@
                   <a:srgbClr val="242455"/>
                 </a:solidFill>
               </a:rPr>
-              <a:t>Referências</a:t>
+              <a:t>Exemplo de aplicação</a:t>
             </a:r>
             <a:endParaRPr sz="4200">
               <a:solidFill>
@@ -15059,111 +15177,245 @@
           </a:p>
         </p:txBody>
       </p:sp>
-      <p:sp>
-        <p:nvSpPr>
+      <p:grpSp>
+        <p:nvGrpSpPr>
           <p:cNvPr id="127" name="Google Shape;127;p28"/>
-          <p:cNvSpPr txBox="1"/>
-          <p:nvPr>
-            <p:ph idx="1" type="subTitle"/>
-          </p:nvPr>
-        </p:nvSpPr>
-        <p:spPr>
+          <p:cNvGrpSpPr/>
+          <p:nvPr/>
+        </p:nvGrpSpPr>
+        <p:grpSpPr>
           <a:xfrm>
-            <a:off x="113425" y="1543550"/>
-            <a:ext cx="8211000" cy="2465700"/>
+            <a:off x="2676673" y="1397349"/>
+            <a:ext cx="3790650" cy="2599475"/>
+            <a:chOff x="2676673" y="1397349"/>
+            <a:chExt cx="3790650" cy="2599475"/>
           </a:xfrm>
-          <a:prstGeom prst="rect">
-            <a:avLst/>
-          </a:prstGeom>
-          <a:noFill/>
-          <a:ln>
+        </p:grpSpPr>
+        <p:sp>
+          <p:nvSpPr>
+            <p:cNvPr id="128" name="Google Shape;128;p28"/>
+            <p:cNvSpPr/>
+            <p:nvPr/>
+          </p:nvSpPr>
+          <p:spPr>
+            <a:xfrm>
+              <a:off x="4744050" y="1538600"/>
+              <a:ext cx="1518900" cy="670800"/>
+            </a:xfrm>
+            <a:prstGeom prst="rect">
+              <a:avLst/>
+            </a:prstGeom>
+            <a:solidFill>
+              <a:srgbClr val="9FC5E8"/>
+            </a:solidFill>
+            <a:ln cap="flat" cmpd="sng" w="9525">
+              <a:solidFill>
+                <a:schemeClr val="dk2"/>
+              </a:solidFill>
+              <a:prstDash val="solid"/>
+              <a:round/>
+              <a:headEnd len="sm" w="sm" type="none"/>
+              <a:tailEnd len="sm" w="sm" type="none"/>
+            </a:ln>
+          </p:spPr>
+          <p:txBody>
+            <a:bodyPr anchorCtr="0" anchor="ctr" bIns="91425" lIns="91425" spcFirstLastPara="1" rIns="91425" wrap="square" tIns="91425">
+              <a:noAutofit/>
+            </a:bodyPr>
+            <a:lstStyle/>
+            <a:p>
+              <a:pPr indent="0" lvl="0" marL="0" rtl="0" algn="l">
+                <a:spcBef>
+                  <a:spcPts val="0"/>
+                </a:spcBef>
+                <a:spcAft>
+                  <a:spcPts val="0"/>
+                </a:spcAft>
+                <a:buNone/>
+              </a:pPr>
+              <a:r>
+                <a:t/>
+              </a:r>
+              <a:endParaRPr/>
+            </a:p>
+          </p:txBody>
+        </p:sp>
+        <p:sp>
+          <p:nvSpPr>
+            <p:cNvPr id="129" name="Google Shape;129;p28"/>
+            <p:cNvSpPr/>
+            <p:nvPr/>
+          </p:nvSpPr>
+          <p:spPr>
+            <a:xfrm>
+              <a:off x="2953925" y="1597800"/>
+              <a:ext cx="1178400" cy="350400"/>
+            </a:xfrm>
+            <a:prstGeom prst="rect">
+              <a:avLst/>
+            </a:prstGeom>
+            <a:solidFill>
+              <a:srgbClr val="9FC5E8"/>
+            </a:solidFill>
+            <a:ln cap="flat" cmpd="sng" w="9525">
+              <a:solidFill>
+                <a:schemeClr val="dk2"/>
+              </a:solidFill>
+              <a:prstDash val="solid"/>
+              <a:round/>
+              <a:headEnd len="sm" w="sm" type="none"/>
+              <a:tailEnd len="sm" w="sm" type="none"/>
+            </a:ln>
+          </p:spPr>
+          <p:txBody>
+            <a:bodyPr anchorCtr="0" anchor="ctr" bIns="91425" lIns="91425" spcFirstLastPara="1" rIns="91425" wrap="square" tIns="91425">
+              <a:noAutofit/>
+            </a:bodyPr>
+            <a:lstStyle/>
+            <a:p>
+              <a:pPr indent="0" lvl="0" marL="0" rtl="0" algn="l">
+                <a:spcBef>
+                  <a:spcPts val="0"/>
+                </a:spcBef>
+                <a:spcAft>
+                  <a:spcPts val="0"/>
+                </a:spcAft>
+                <a:buNone/>
+              </a:pPr>
+              <a:r>
+                <a:t/>
+              </a:r>
+              <a:endParaRPr/>
+            </a:p>
+          </p:txBody>
+        </p:sp>
+        <p:sp>
+          <p:nvSpPr>
+            <p:cNvPr id="130" name="Google Shape;130;p28"/>
+            <p:cNvSpPr/>
+            <p:nvPr/>
+          </p:nvSpPr>
+          <p:spPr>
+            <a:xfrm>
+              <a:off x="2687650" y="3166000"/>
+              <a:ext cx="1711200" cy="830700"/>
+            </a:xfrm>
+            <a:prstGeom prst="rect">
+              <a:avLst/>
+            </a:prstGeom>
+            <a:solidFill>
+              <a:srgbClr val="9FC5E8"/>
+            </a:solidFill>
+            <a:ln cap="flat" cmpd="sng" w="9525">
+              <a:solidFill>
+                <a:schemeClr val="dk2"/>
+              </a:solidFill>
+              <a:prstDash val="solid"/>
+              <a:round/>
+              <a:headEnd len="sm" w="sm" type="none"/>
+              <a:tailEnd len="sm" w="sm" type="none"/>
+            </a:ln>
+          </p:spPr>
+          <p:txBody>
+            <a:bodyPr anchorCtr="0" anchor="ctr" bIns="91425" lIns="91425" spcFirstLastPara="1" rIns="91425" wrap="square" tIns="91425">
+              <a:noAutofit/>
+            </a:bodyPr>
+            <a:lstStyle/>
+            <a:p>
+              <a:pPr indent="0" lvl="0" marL="0" rtl="0" algn="l">
+                <a:spcBef>
+                  <a:spcPts val="0"/>
+                </a:spcBef>
+                <a:spcAft>
+                  <a:spcPts val="0"/>
+                </a:spcAft>
+                <a:buNone/>
+              </a:pPr>
+              <a:r>
+                <a:t/>
+              </a:r>
+              <a:endParaRPr/>
+            </a:p>
+          </p:txBody>
+        </p:sp>
+        <p:sp>
+          <p:nvSpPr>
+            <p:cNvPr id="131" name="Google Shape;131;p28"/>
+            <p:cNvSpPr/>
+            <p:nvPr/>
+          </p:nvSpPr>
+          <p:spPr>
+            <a:xfrm>
+              <a:off x="4744050" y="3274475"/>
+              <a:ext cx="1711200" cy="670800"/>
+            </a:xfrm>
+            <a:prstGeom prst="rect">
+              <a:avLst/>
+            </a:prstGeom>
+            <a:solidFill>
+              <a:srgbClr val="9FC5E8"/>
+            </a:solidFill>
+            <a:ln cap="flat" cmpd="sng" w="9525">
+              <a:solidFill>
+                <a:schemeClr val="dk2"/>
+              </a:solidFill>
+              <a:prstDash val="solid"/>
+              <a:round/>
+              <a:headEnd len="sm" w="sm" type="none"/>
+              <a:tailEnd len="sm" w="sm" type="none"/>
+            </a:ln>
+          </p:spPr>
+          <p:txBody>
+            <a:bodyPr anchorCtr="0" anchor="ctr" bIns="91425" lIns="91425" spcFirstLastPara="1" rIns="91425" wrap="square" tIns="91425">
+              <a:noAutofit/>
+            </a:bodyPr>
+            <a:lstStyle/>
+            <a:p>
+              <a:pPr indent="0" lvl="0" marL="0" rtl="0" algn="l">
+                <a:spcBef>
+                  <a:spcPts val="0"/>
+                </a:spcBef>
+                <a:spcAft>
+                  <a:spcPts val="0"/>
+                </a:spcAft>
+                <a:buNone/>
+              </a:pPr>
+              <a:r>
+                <a:t/>
+              </a:r>
+              <a:endParaRPr/>
+            </a:p>
+          </p:txBody>
+        </p:sp>
+        <p:pic>
+          <p:nvPicPr>
+            <p:cNvPr id="132" name="Google Shape;132;p28"/>
+            <p:cNvPicPr preferRelativeResize="0"/>
+            <p:nvPr/>
+          </p:nvPicPr>
+          <p:blipFill>
+            <a:blip r:embed="rId3">
+              <a:alphaModFix/>
+            </a:blip>
+            <a:stretch>
+              <a:fillRect/>
+            </a:stretch>
+          </p:blipFill>
+          <p:spPr>
+            <a:xfrm>
+              <a:off x="2676673" y="1397349"/>
+              <a:ext cx="3790650" cy="2599475"/>
+            </a:xfrm>
+            <a:prstGeom prst="rect">
+              <a:avLst/>
+            </a:prstGeom>
             <a:noFill/>
-          </a:ln>
-        </p:spPr>
-        <p:txBody>
-          <a:bodyPr anchorCtr="0" anchor="t" bIns="91425" lIns="91425" spcFirstLastPara="1" rIns="91425" wrap="square" tIns="91425">
-            <a:normAutofit/>
-          </a:bodyPr>
-          <a:lstStyle/>
-          <a:p>
-            <a:pPr indent="0" lvl="0" marL="0" rtl="0" algn="l">
-              <a:lnSpc>
-                <a:spcPct val="100000"/>
-              </a:lnSpc>
-              <a:spcBef>
-                <a:spcPts val="0"/>
-              </a:spcBef>
-              <a:spcAft>
-                <a:spcPts val="0"/>
-              </a:spcAft>
-              <a:buClr>
-                <a:schemeClr val="dk1"/>
-              </a:buClr>
-              <a:buSzPts val="1100"/>
-              <a:buFont typeface="Arial"/>
-              <a:buNone/>
-            </a:pPr>
-            <a:r>
-              <a:rPr lang="en" sz="1400"/>
-              <a:t>[1] Design Patterns: Elements of Reusable Object Oriented Software (Gang of Four)</a:t>
-            </a:r>
-            <a:endParaRPr sz="1400"/>
-          </a:p>
-          <a:p>
-            <a:pPr indent="0" lvl="0" marL="0" rtl="0" algn="l">
-              <a:lnSpc>
-                <a:spcPct val="100000"/>
-              </a:lnSpc>
-              <a:spcBef>
-                <a:spcPts val="0"/>
-              </a:spcBef>
-              <a:spcAft>
-                <a:spcPts val="0"/>
-              </a:spcAft>
-              <a:buClr>
-                <a:schemeClr val="dk1"/>
-              </a:buClr>
-              <a:buSzPts val="1100"/>
-              <a:buFont typeface="Arial"/>
-              <a:buNone/>
-            </a:pPr>
-            <a:r>
-              <a:rPr lang="en" sz="1400"/>
-              <a:t>[2] </a:t>
-            </a:r>
-            <a:r>
-              <a:rPr lang="en" sz="1400">
-                <a:uFill>
-                  <a:noFill/>
-                </a:uFill>
-                <a:hlinkClick r:id="rId3"/>
-              </a:rPr>
-              <a:t>http://wiki.c2.com/?DecoratorPattern</a:t>
-            </a:r>
-            <a:endParaRPr sz="1400"/>
-          </a:p>
-          <a:p>
-            <a:pPr indent="0" lvl="0" marL="0" rtl="0" algn="l">
-              <a:lnSpc>
-                <a:spcPct val="100000"/>
-              </a:lnSpc>
-              <a:spcBef>
-                <a:spcPts val="0"/>
-              </a:spcBef>
-              <a:spcAft>
-                <a:spcPts val="0"/>
-              </a:spcAft>
-              <a:buSzPts val="2800"/>
-              <a:buNone/>
-            </a:pPr>
-            <a:r>
-              <a:rPr lang="en" sz="1400"/>
-              <a:t>[3] https://simpletechtalks.com/decorator-design-pattern/</a:t>
-            </a:r>
-            <a:endParaRPr sz="1400"/>
-          </a:p>
-        </p:txBody>
-      </p:sp>
+            <a:ln>
+              <a:noFill/>
+            </a:ln>
+          </p:spPr>
+        </p:pic>
+      </p:grpSp>
     </p:spTree>
   </p:cSld>
   <p:clrMapOvr>
@@ -15298,7 +15550,370 @@
   <p:cSld>
     <p:spTree>
       <p:nvGrpSpPr>
-        <p:cNvPr id="131" name="Shape 131"/>
+        <p:cNvPr id="136" name="Shape 136"/>
+        <p:cNvGrpSpPr/>
+        <p:nvPr/>
+      </p:nvGrpSpPr>
+      <p:grpSpPr>
+        <a:xfrm>
+          <a:off x="0" y="0"/>
+          <a:ext cx="0" cy="0"/>
+          <a:chOff x="0" y="0"/>
+          <a:chExt cx="0" cy="0"/>
+        </a:xfrm>
+      </p:grpSpPr>
+      <p:sp>
+        <p:nvSpPr>
+          <p:cNvPr id="137" name="Google Shape;137;p29"/>
+          <p:cNvSpPr/>
+          <p:nvPr/>
+        </p:nvSpPr>
+        <p:spPr>
+          <a:xfrm>
+            <a:off x="0" y="3131475"/>
+            <a:ext cx="9144000" cy="2085900"/>
+          </a:xfrm>
+          <a:prstGeom prst="rect">
+            <a:avLst/>
+          </a:prstGeom>
+          <a:solidFill>
+            <a:srgbClr val="7FB3FF"/>
+          </a:solidFill>
+          <a:ln cap="flat" cmpd="sng" w="9525">
+            <a:solidFill>
+              <a:srgbClr val="7FB3FF"/>
+            </a:solidFill>
+            <a:prstDash val="solid"/>
+            <a:round/>
+            <a:headEnd len="sm" w="sm" type="none"/>
+            <a:tailEnd len="sm" w="sm" type="none"/>
+          </a:ln>
+        </p:spPr>
+        <p:txBody>
+          <a:bodyPr anchorCtr="0" anchor="ctr" bIns="91425" lIns="91425" spcFirstLastPara="1" rIns="91425" wrap="square" tIns="91425">
+            <a:noAutofit/>
+          </a:bodyPr>
+          <a:lstStyle/>
+          <a:p>
+            <a:pPr indent="0" lvl="0" marL="0" rtl="0" algn="l">
+              <a:spcBef>
+                <a:spcPts val="0"/>
+              </a:spcBef>
+              <a:spcAft>
+                <a:spcPts val="0"/>
+              </a:spcAft>
+              <a:buNone/>
+            </a:pPr>
+            <a:r>
+              <a:t/>
+            </a:r>
+            <a:endParaRPr/>
+          </a:p>
+        </p:txBody>
+      </p:sp>
+      <p:sp>
+        <p:nvSpPr>
+          <p:cNvPr id="138" name="Google Shape;138;p29"/>
+          <p:cNvSpPr txBox="1"/>
+          <p:nvPr>
+            <p:ph type="ctrTitle"/>
+          </p:nvPr>
+        </p:nvSpPr>
+        <p:spPr>
+          <a:xfrm>
+            <a:off x="0" y="261375"/>
+            <a:ext cx="9144000" cy="1218300"/>
+          </a:xfrm>
+          <a:prstGeom prst="rect">
+            <a:avLst/>
+          </a:prstGeom>
+          <a:noFill/>
+          <a:ln>
+            <a:noFill/>
+          </a:ln>
+          <a:effectLst>
+            <a:outerShdw blurRad="57150" rotWithShape="0" algn="bl" dir="5400000" dist="19050">
+              <a:srgbClr val="000000">
+                <a:alpha val="50000"/>
+              </a:srgbClr>
+            </a:outerShdw>
+          </a:effectLst>
+        </p:spPr>
+        <p:txBody>
+          <a:bodyPr anchorCtr="0" anchor="b" bIns="91425" lIns="91425" spcFirstLastPara="1" rIns="91425" wrap="square" tIns="91425">
+            <a:normAutofit/>
+          </a:bodyPr>
+          <a:lstStyle/>
+          <a:p>
+            <a:pPr indent="0" lvl="0" marL="0" rtl="0" algn="l">
+              <a:lnSpc>
+                <a:spcPct val="100000"/>
+              </a:lnSpc>
+              <a:spcBef>
+                <a:spcPts val="0"/>
+              </a:spcBef>
+              <a:spcAft>
+                <a:spcPts val="0"/>
+              </a:spcAft>
+              <a:buSzPts val="5200"/>
+              <a:buNone/>
+            </a:pPr>
+            <a:r>
+              <a:rPr lang="en" sz="4200">
+                <a:solidFill>
+                  <a:srgbClr val="242455"/>
+                </a:solidFill>
+              </a:rPr>
+              <a:t>Referências</a:t>
+            </a:r>
+            <a:endParaRPr sz="4200">
+              <a:solidFill>
+                <a:srgbClr val="242455"/>
+              </a:solidFill>
+            </a:endParaRPr>
+          </a:p>
+        </p:txBody>
+      </p:sp>
+      <p:sp>
+        <p:nvSpPr>
+          <p:cNvPr id="139" name="Google Shape;139;p29"/>
+          <p:cNvSpPr txBox="1"/>
+          <p:nvPr>
+            <p:ph idx="1" type="subTitle"/>
+          </p:nvPr>
+        </p:nvSpPr>
+        <p:spPr>
+          <a:xfrm>
+            <a:off x="113425" y="1543550"/>
+            <a:ext cx="8211000" cy="2465700"/>
+          </a:xfrm>
+          <a:prstGeom prst="rect">
+            <a:avLst/>
+          </a:prstGeom>
+          <a:noFill/>
+          <a:ln>
+            <a:noFill/>
+          </a:ln>
+        </p:spPr>
+        <p:txBody>
+          <a:bodyPr anchorCtr="0" anchor="t" bIns="91425" lIns="91425" spcFirstLastPara="1" rIns="91425" wrap="square" tIns="91425">
+            <a:normAutofit/>
+          </a:bodyPr>
+          <a:lstStyle/>
+          <a:p>
+            <a:pPr indent="0" lvl="0" marL="0" rtl="0" algn="l">
+              <a:lnSpc>
+                <a:spcPct val="100000"/>
+              </a:lnSpc>
+              <a:spcBef>
+                <a:spcPts val="0"/>
+              </a:spcBef>
+              <a:spcAft>
+                <a:spcPts val="0"/>
+              </a:spcAft>
+              <a:buClr>
+                <a:schemeClr val="dk1"/>
+              </a:buClr>
+              <a:buSzPts val="1100"/>
+              <a:buFont typeface="Arial"/>
+              <a:buNone/>
+            </a:pPr>
+            <a:r>
+              <a:rPr lang="en" sz="1400"/>
+              <a:t>[1] Design Patterns: Elements of Reusable Object Oriented Software (Gang of Four)</a:t>
+            </a:r>
+            <a:endParaRPr sz="1400"/>
+          </a:p>
+          <a:p>
+            <a:pPr indent="0" lvl="0" marL="0" rtl="0" algn="l">
+              <a:lnSpc>
+                <a:spcPct val="100000"/>
+              </a:lnSpc>
+              <a:spcBef>
+                <a:spcPts val="0"/>
+              </a:spcBef>
+              <a:spcAft>
+                <a:spcPts val="0"/>
+              </a:spcAft>
+              <a:buClr>
+                <a:schemeClr val="dk1"/>
+              </a:buClr>
+              <a:buSzPts val="1100"/>
+              <a:buFont typeface="Arial"/>
+              <a:buNone/>
+            </a:pPr>
+            <a:r>
+              <a:rPr lang="en" sz="1400"/>
+              <a:t>[2] </a:t>
+            </a:r>
+            <a:r>
+              <a:rPr lang="en" sz="1400">
+                <a:uFill>
+                  <a:noFill/>
+                </a:uFill>
+                <a:hlinkClick r:id="rId3"/>
+              </a:rPr>
+              <a:t>http://wiki.c2.com/?DecoratorPattern</a:t>
+            </a:r>
+            <a:endParaRPr sz="1400"/>
+          </a:p>
+          <a:p>
+            <a:pPr indent="0" lvl="0" marL="0" rtl="0" algn="l">
+              <a:lnSpc>
+                <a:spcPct val="100000"/>
+              </a:lnSpc>
+              <a:spcBef>
+                <a:spcPts val="0"/>
+              </a:spcBef>
+              <a:spcAft>
+                <a:spcPts val="0"/>
+              </a:spcAft>
+              <a:buSzPts val="2800"/>
+              <a:buNone/>
+            </a:pPr>
+            <a:r>
+              <a:rPr lang="en" sz="1400"/>
+              <a:t>[3] https://simpletechtalks.com/decorator-design-pattern/</a:t>
+            </a:r>
+            <a:endParaRPr sz="1400"/>
+          </a:p>
+        </p:txBody>
+      </p:sp>
+    </p:spTree>
+  </p:cSld>
+  <p:clrMapOvr>
+    <a:masterClrMapping/>
+  </p:clrMapOvr>
+  <p:timing>
+    <p:tnLst>
+      <p:par>
+        <p:cTn dur="indefinite" nodeType="tmRoot" restart="never">
+          <p:childTnLst>
+            <p:seq concurrent="1" nextAc="seek">
+              <p:cTn dur="indefinite" id="2" nodeType="mainSeq">
+                <p:childTnLst>
+                  <p:par>
+                    <p:cTn fill="hold">
+                      <p:stCondLst>
+                        <p:cond delay="indefinite"/>
+                        <p:cond evt="onBegin" delay="0">
+                          <p:tn val="2"/>
+                        </p:cond>
+                      </p:stCondLst>
+                      <p:childTnLst>
+                        <p:par>
+                          <p:cTn fill="hold">
+                            <p:stCondLst>
+                              <p:cond delay="0"/>
+                            </p:stCondLst>
+                            <p:childTnLst>
+                              <p:par>
+                                <p:cTn fill="hold" nodeType="withEffect" presetClass="entr" presetID="10" presetSubtype="0">
+                                  <p:stCondLst>
+                                    <p:cond delay="0"/>
+                                  </p:stCondLst>
+                                  <p:childTnLst>
+                                    <p:set>
+                                      <p:cBhvr>
+                                        <p:cTn dur="1" fill="hold">
+                                          <p:stCondLst>
+                                            <p:cond delay="0"/>
+                                          </p:stCondLst>
+                                        </p:cTn>
+                                        <p:tgtEl>
+                                          <p:spTgt spid="138"/>
+                                        </p:tgtEl>
+                                        <p:attrNameLst>
+                                          <p:attrName>style.visibility</p:attrName>
+                                        </p:attrNameLst>
+                                      </p:cBhvr>
+                                      <p:to>
+                                        <p:strVal val="visible"/>
+                                      </p:to>
+                                    </p:set>
+                                    <p:animEffect filter="fade" transition="in">
+                                      <p:cBhvr>
+                                        <p:cTn dur="300"/>
+                                        <p:tgtEl>
+                                          <p:spTgt spid="138"/>
+                                        </p:tgtEl>
+                                      </p:cBhvr>
+                                    </p:animEffect>
+                                  </p:childTnLst>
+                                </p:cTn>
+                              </p:par>
+                              <p:par>
+                                <p:cTn fill="hold" nodeType="withEffect" presetClass="entr" presetID="10" presetSubtype="0">
+                                  <p:stCondLst>
+                                    <p:cond delay="0"/>
+                                  </p:stCondLst>
+                                  <p:childTnLst>
+                                    <p:set>
+                                      <p:cBhvr>
+                                        <p:cTn dur="1" fill="hold">
+                                          <p:stCondLst>
+                                            <p:cond delay="0"/>
+                                          </p:stCondLst>
+                                        </p:cTn>
+                                        <p:tgtEl>
+                                          <p:spTgt spid="139"/>
+                                        </p:tgtEl>
+                                        <p:attrNameLst>
+                                          <p:attrName>style.visibility</p:attrName>
+                                        </p:attrNameLst>
+                                      </p:cBhvr>
+                                      <p:to>
+                                        <p:strVal val="visible"/>
+                                      </p:to>
+                                    </p:set>
+                                    <p:animEffect filter="fade" transition="in">
+                                      <p:cBhvr>
+                                        <p:cTn dur="1000"/>
+                                        <p:tgtEl>
+                                          <p:spTgt spid="139"/>
+                                        </p:tgtEl>
+                                      </p:cBhvr>
+                                    </p:animEffect>
+                                  </p:childTnLst>
+                                </p:cTn>
+                              </p:par>
+                            </p:childTnLst>
+                          </p:cTn>
+                        </p:par>
+                      </p:childTnLst>
+                    </p:cTn>
+                  </p:par>
+                </p:childTnLst>
+              </p:cTn>
+              <p:prevCondLst>
+                <p:cond evt="onPrev">
+                  <p:tgtEl>
+                    <p:sldTgt/>
+                  </p:tgtEl>
+                </p:cond>
+              </p:prevCondLst>
+              <p:nextCondLst>
+                <p:cond evt="onNext">
+                  <p:tgtEl>
+                    <p:sldTgt/>
+                  </p:tgtEl>
+                </p:cond>
+              </p:nextCondLst>
+            </p:seq>
+          </p:childTnLst>
+        </p:cTn>
+      </p:par>
+    </p:tnLst>
+  </p:timing>
+</p:sld>
+</file>
+
+<file path=ppt/slides/slide6.xml><?xml version="1.0" encoding="utf-8"?>
+<p:sld xmlns:a="http://schemas.openxmlformats.org/drawingml/2006/main" xmlns:r="http://schemas.openxmlformats.org/officeDocument/2006/relationships" xmlns:mc="http://schemas.openxmlformats.org/markup-compatibility/2006" xmlns:mv="urn:schemas-microsoft-com:mac:vml" xmlns:p="http://schemas.openxmlformats.org/presentationml/2006/main" xmlns:c="http://schemas.openxmlformats.org/drawingml/2006/chart" xmlns:dgm="http://schemas.openxmlformats.org/drawingml/2006/diagram" xmlns:o="urn:schemas-microsoft-com:office:office" xmlns:v="urn:schemas-microsoft-com:vml" xmlns:pvml="urn:schemas-microsoft-com:office:powerpoint" xmlns:com="http://schemas.openxmlformats.org/drawingml/2006/compatibility" xmlns:p14="http://schemas.microsoft.com/office/powerpoint/2010/main" xmlns:p15="http://schemas.microsoft.com/office/powerpoint/2012/main" xmlns:ahyp="http://schemas.microsoft.com/office/drawing/2018/hyperlinkcolor">
+  <p:cSld>
+    <p:spTree>
+      <p:nvGrpSpPr>
+        <p:cNvPr id="143" name="Shape 143"/>
         <p:cNvGrpSpPr/>
         <p:nvPr/>
       </p:nvGrpSpPr>
@@ -15312,7 +15927,7 @@
       </p:grpSpPr>
       <p:pic>
         <p:nvPicPr>
-          <p:cNvPr id="132" name="Google Shape;132;p29"/>
+          <p:cNvPr id="144" name="Google Shape;144;p30"/>
           <p:cNvPicPr preferRelativeResize="0"/>
           <p:nvPr/>
         </p:nvPicPr>
@@ -15340,7 +15955,7 @@
       </p:pic>
       <p:sp>
         <p:nvSpPr>
-          <p:cNvPr id="133" name="Google Shape;133;p29"/>
+          <p:cNvPr id="145" name="Google Shape;145;p30"/>
           <p:cNvSpPr txBox="1"/>
           <p:nvPr>
             <p:ph type="ctrTitle"/>
@@ -15451,7 +16066,7 @@
                                       <p:cBhvr>
                                         <p:cTn dur="500" fill="hold"/>
                                         <p:tgtEl>
-                                          <p:spTgt spid="133"/>
+                                          <p:spTgt spid="145"/>
                                         </p:tgtEl>
                                         <p:attrNameLst>
                                           <p:attrName>r</p:attrName>
@@ -15475,7 +16090,7 @@
                                           </p:stCondLst>
                                         </p:cTn>
                                         <p:tgtEl>
-                                          <p:spTgt spid="132"/>
+                                          <p:spTgt spid="144"/>
                                         </p:tgtEl>
                                         <p:attrNameLst>
                                           <p:attrName>style.visibility</p:attrName>
@@ -15489,7 +16104,7 @@
                                       <p:cBhvr>
                                         <p:cTn dur="1000"/>
                                         <p:tgtEl>
-                                          <p:spTgt spid="132"/>
+                                          <p:spTgt spid="144"/>
                                         </p:tgtEl>
                                       </p:cBhvr>
                                     </p:animEffect>
